--- a/스마트폰 게임 프로그래밍 중간발표.pptx
+++ b/스마트폰 게임 프로그래밍 중간발표.pptx
@@ -7,10 +7,9 @@
   <p:sldIdLst>
     <p:sldId id="256" r:id="rId2"/>
     <p:sldId id="257" r:id="rId3"/>
-    <p:sldId id="258" r:id="rId4"/>
-    <p:sldId id="259" r:id="rId5"/>
-    <p:sldId id="260" r:id="rId6"/>
-    <p:sldId id="261" r:id="rId7"/>
+    <p:sldId id="259" r:id="rId4"/>
+    <p:sldId id="260" r:id="rId5"/>
+    <p:sldId id="261" r:id="rId6"/>
   </p:sldIdLst>
   <p:sldSz cx="12192000" cy="6858000"/>
   <p:notesSz cx="6858000" cy="9144000"/>
@@ -5873,7 +5872,9 @@
         </p:nvSpPr>
         <p:spPr/>
         <p:txBody>
-          <a:bodyPr/>
+          <a:bodyPr>
+            <a:normAutofit fontScale="92500" lnSpcReduction="20000"/>
+          </a:bodyPr>
           <a:lstStyle/>
           <a:p>
             <a:r>
@@ -5881,7 +5882,27 @@
                 <a:latin typeface="+mj-ea"/>
                 <a:ea typeface="+mj-ea"/>
               </a:rPr>
-              <a:t>제주도 정보 활용 가이드</a:t>
+              <a:t>제주도 정보 활용 </a:t>
+            </a:r>
+            <a:r>
+              <a:rPr kumimoji="1" lang="ko-KR" altLang="en-US" sz="2800" dirty="0" smtClean="0">
+                <a:latin typeface="+mj-ea"/>
+                <a:ea typeface="+mj-ea"/>
+              </a:rPr>
+              <a:t>가이드</a:t>
+            </a:r>
+            <a:endParaRPr kumimoji="1" lang="en-US" altLang="ko-KR" sz="2800" dirty="0">
+              <a:latin typeface="+mj-ea"/>
+              <a:ea typeface="+mj-ea"/>
+            </a:endParaRPr>
+          </a:p>
+          <a:p>
+            <a:r>
+              <a:rPr kumimoji="1" lang="ko-KR" altLang="en-US" sz="2800" dirty="0" smtClean="0">
+                <a:latin typeface="+mj-ea"/>
+                <a:ea typeface="+mj-ea"/>
+              </a:rPr>
+              <a:t>중간발표</a:t>
             </a:r>
             <a:endParaRPr kumimoji="1" lang="en-US" altLang="ko-KR" sz="2800" dirty="0" smtClean="0">
               <a:latin typeface="+mj-ea"/>
@@ -5982,7 +6003,7 @@
                 <a:ea typeface="Arial Rounded MT Bold" charset="0"/>
                 <a:cs typeface="Arial Rounded MT Bold" charset="0"/>
               </a:rPr>
-              <a:t>목표</a:t>
+              <a:t>공공데이터</a:t>
             </a:r>
             <a:endParaRPr kumimoji="1" lang="en-US" altLang="ko-KR" sz="3600" b="1" dirty="0" smtClean="0">
               <a:latin typeface="Arial Rounded MT Bold" charset="0"/>
@@ -5997,7 +6018,7 @@
                 <a:ea typeface="Arial Rounded MT Bold" charset="0"/>
                 <a:cs typeface="Arial Rounded MT Bold" charset="0"/>
               </a:rPr>
-              <a:t>공공데이터</a:t>
+              <a:t>현재 진행상황</a:t>
             </a:r>
             <a:endParaRPr kumimoji="1" lang="en-US" altLang="ko-KR" sz="3600" b="1" dirty="0" smtClean="0">
               <a:latin typeface="Arial Rounded MT Bold" charset="0"/>
@@ -6012,7 +6033,7 @@
                 <a:ea typeface="Arial Rounded MT Bold" charset="0"/>
                 <a:cs typeface="Arial Rounded MT Bold" charset="0"/>
               </a:rPr>
-              <a:t>예시</a:t>
+              <a:t>실제구현모습</a:t>
             </a:r>
             <a:endParaRPr kumimoji="1" lang="en-US" altLang="ko-KR" sz="3600" b="1" dirty="0" smtClean="0">
               <a:latin typeface="Arial Rounded MT Bold" charset="0"/>
@@ -6021,14 +6042,6 @@
             </a:endParaRPr>
           </a:p>
           <a:p>
-            <a:r>
-              <a:rPr kumimoji="1" lang="ko-KR" altLang="en-US" sz="3600" b="1" dirty="0" smtClean="0">
-                <a:latin typeface="Arial Rounded MT Bold" charset="0"/>
-                <a:ea typeface="Arial Rounded MT Bold" charset="0"/>
-                <a:cs typeface="Arial Rounded MT Bold" charset="0"/>
-              </a:rPr>
-              <a:t>일정</a:t>
-            </a:r>
             <a:endParaRPr kumimoji="1" lang="en-US" altLang="ko-KR" sz="3600" b="1" dirty="0" smtClean="0">
               <a:latin typeface="Arial Rounded MT Bold" charset="0"/>
               <a:ea typeface="Arial Rounded MT Bold" charset="0"/>
@@ -6094,67 +6107,75 @@
           <a:p>
             <a:r>
               <a:rPr kumimoji="1" lang="ko-KR" altLang="en-US" dirty="0" smtClean="0"/>
-              <a:t>목표</a:t>
+              <a:t>공공데이터</a:t>
             </a:r>
             <a:endParaRPr kumimoji="1" lang="ko-KR" altLang="en-US" dirty="0"/>
           </a:p>
         </p:txBody>
       </p:sp>
-      <p:sp>
-        <p:nvSpPr>
-          <p:cNvPr id="3" name="내용 개체 틀 2"/>
-          <p:cNvSpPr>
-            <a:spLocks noGrp="1"/>
-          </p:cNvSpPr>
+      <p:pic>
+        <p:nvPicPr>
+          <p:cNvPr id="4" name="내용 개체 틀 3"/>
+          <p:cNvPicPr>
+            <a:picLocks noGrp="1" noChangeAspect="1"/>
+          </p:cNvPicPr>
           <p:nvPr>
             <p:ph idx="1"/>
           </p:nvPr>
-        </p:nvSpPr>
-        <p:spPr/>
-        <p:txBody>
-          <a:bodyPr/>
-          <a:lstStyle/>
-          <a:p>
-            <a:r>
-              <a:rPr kumimoji="1" lang="ko-KR" altLang="en-US" dirty="0" smtClean="0"/>
-              <a:t>맵킷과 테이블뷰 를 활용하여 어플리케이션 제작</a:t>
-            </a:r>
-            <a:endParaRPr kumimoji="1" lang="en-US" altLang="ko-KR" dirty="0" smtClean="0"/>
-          </a:p>
-          <a:p>
-            <a:r>
-              <a:rPr kumimoji="1" lang="ko-KR" altLang="en-US" dirty="0" smtClean="0"/>
-              <a:t>착한음식점와 모범음식점을 지도에 표시</a:t>
-            </a:r>
-            <a:endParaRPr kumimoji="1" lang="en-US" altLang="ko-KR" dirty="0" smtClean="0"/>
-          </a:p>
-          <a:p>
-            <a:r>
-              <a:rPr kumimoji="1" lang="ko-KR" altLang="en-US" dirty="0" smtClean="0"/>
-              <a:t>공공 자전거 정보 구현</a:t>
-            </a:r>
-            <a:endParaRPr kumimoji="1" lang="en-US" altLang="ko-KR" dirty="0" smtClean="0"/>
-          </a:p>
-          <a:p>
-            <a:r>
-              <a:rPr kumimoji="1" lang="ko-KR" altLang="en-US" dirty="0" smtClean="0"/>
-              <a:t>위치기반의 기상정보 구현</a:t>
-            </a:r>
-            <a:endParaRPr kumimoji="1" lang="en-US" altLang="ko-KR" dirty="0" smtClean="0"/>
-          </a:p>
-          <a:p>
-            <a:r>
-              <a:rPr kumimoji="1" lang="ko-KR" altLang="en-US" dirty="0" smtClean="0"/>
-              <a:t>위치기반의 주변 약국 정보 구현</a:t>
-            </a:r>
-            <a:endParaRPr kumimoji="1" lang="ko-KR" altLang="en-US" dirty="0"/>
-          </a:p>
-        </p:txBody>
-      </p:sp>
+        </p:nvPicPr>
+        <p:blipFill>
+          <a:blip r:embed="rId2">
+            <a:extLst>
+              <a:ext uri="{28A0092B-C50C-407E-A947-70E740481C1C}">
+                <a14:useLocalDpi xmlns:a14="http://schemas.microsoft.com/office/drawing/2010/main" val="0"/>
+              </a:ext>
+            </a:extLst>
+          </a:blip>
+          <a:stretch>
+            <a:fillRect/>
+          </a:stretch>
+        </p:blipFill>
+        <p:spPr>
+          <a:xfrm>
+            <a:off x="1420188" y="2457451"/>
+            <a:ext cx="5379697" cy="3317875"/>
+          </a:xfrm>
+        </p:spPr>
+      </p:pic>
+      <p:pic>
+        <p:nvPicPr>
+          <p:cNvPr id="5" name="그림 4"/>
+          <p:cNvPicPr>
+            <a:picLocks noChangeAspect="1"/>
+          </p:cNvPicPr>
+          <p:nvPr/>
+        </p:nvPicPr>
+        <p:blipFill>
+          <a:blip r:embed="rId3">
+            <a:extLst>
+              <a:ext uri="{28A0092B-C50C-407E-A947-70E740481C1C}">
+                <a14:useLocalDpi xmlns:a14="http://schemas.microsoft.com/office/drawing/2010/main" val="0"/>
+              </a:ext>
+            </a:extLst>
+          </a:blip>
+          <a:stretch>
+            <a:fillRect/>
+          </a:stretch>
+        </p:blipFill>
+        <p:spPr>
+          <a:xfrm>
+            <a:off x="5918198" y="2457451"/>
+            <a:ext cx="5613400" cy="876300"/>
+          </a:xfrm>
+          <a:prstGeom prst="rect">
+            <a:avLst/>
+          </a:prstGeom>
+        </p:spPr>
+      </p:pic>
     </p:spTree>
     <p:extLst>
       <p:ext uri="{BB962C8B-B14F-4D97-AF65-F5344CB8AC3E}">
-        <p14:creationId xmlns:p14="http://schemas.microsoft.com/office/powerpoint/2010/main" val="1319086591"/>
+        <p14:creationId xmlns:p14="http://schemas.microsoft.com/office/powerpoint/2010/main" val="77140140"/>
       </p:ext>
     </p:extLst>
   </p:cSld>
@@ -6198,14 +6219,21 @@
             <p:ph type="title"/>
           </p:nvPr>
         </p:nvSpPr>
-        <p:spPr/>
-        <p:txBody>
-          <a:bodyPr/>
+        <p:spPr>
+          <a:xfrm>
+            <a:off x="1295402" y="982132"/>
+            <a:ext cx="1719261" cy="718081"/>
+          </a:xfrm>
+        </p:spPr>
+        <p:txBody>
+          <a:bodyPr>
+            <a:normAutofit fontScale="90000"/>
+          </a:bodyPr>
           <a:lstStyle/>
           <a:p>
             <a:r>
               <a:rPr kumimoji="1" lang="ko-KR" altLang="en-US" dirty="0" smtClean="0"/>
-              <a:t>공공데이터</a:t>
+              <a:t>예시</a:t>
             </a:r>
             <a:endParaRPr kumimoji="1" lang="ko-KR" altLang="en-US" dirty="0"/>
           </a:p>
@@ -6213,7 +6241,7 @@
       </p:sp>
       <p:pic>
         <p:nvPicPr>
-          <p:cNvPr id="4" name="내용 개체 틀 3"/>
+          <p:cNvPr id="5" name="내용 개체 틀 4"/>
           <p:cNvPicPr>
             <a:picLocks noGrp="1" noChangeAspect="1"/>
           </p:cNvPicPr>
@@ -6235,14 +6263,14 @@
         </p:blipFill>
         <p:spPr>
           <a:xfrm>
-            <a:off x="1420188" y="2457451"/>
-            <a:ext cx="5379697" cy="3317875"/>
+            <a:off x="474564" y="1863524"/>
+            <a:ext cx="2227655" cy="4097168"/>
           </a:xfrm>
         </p:spPr>
       </p:pic>
       <p:pic>
         <p:nvPicPr>
-          <p:cNvPr id="5" name="그림 4"/>
+          <p:cNvPr id="6" name="그림 5"/>
           <p:cNvPicPr>
             <a:picLocks noChangeAspect="1"/>
           </p:cNvPicPr>
@@ -6262,8 +6290,98 @@
         </p:blipFill>
         <p:spPr>
           <a:xfrm>
-            <a:off x="5918198" y="2457451"/>
-            <a:ext cx="5613400" cy="876300"/>
+            <a:off x="2712936" y="1863524"/>
+            <a:ext cx="2220485" cy="4103225"/>
+          </a:xfrm>
+          <a:prstGeom prst="rect">
+            <a:avLst/>
+          </a:prstGeom>
+        </p:spPr>
+      </p:pic>
+      <p:pic>
+        <p:nvPicPr>
+          <p:cNvPr id="7" name="그림 6"/>
+          <p:cNvPicPr>
+            <a:picLocks noChangeAspect="1"/>
+          </p:cNvPicPr>
+          <p:nvPr/>
+        </p:nvPicPr>
+        <p:blipFill>
+          <a:blip r:embed="rId4">
+            <a:extLst>
+              <a:ext uri="{28A0092B-C50C-407E-A947-70E740481C1C}">
+                <a14:useLocalDpi xmlns:a14="http://schemas.microsoft.com/office/drawing/2010/main" val="0"/>
+              </a:ext>
+            </a:extLst>
+          </a:blip>
+          <a:stretch>
+            <a:fillRect/>
+          </a:stretch>
+        </p:blipFill>
+        <p:spPr>
+          <a:xfrm>
+            <a:off x="4952976" y="1863524"/>
+            <a:ext cx="2239401" cy="4097168"/>
+          </a:xfrm>
+          <a:prstGeom prst="rect">
+            <a:avLst/>
+          </a:prstGeom>
+        </p:spPr>
+      </p:pic>
+      <p:pic>
+        <p:nvPicPr>
+          <p:cNvPr id="8" name="그림 7"/>
+          <p:cNvPicPr>
+            <a:picLocks noChangeAspect="1"/>
+          </p:cNvPicPr>
+          <p:nvPr/>
+        </p:nvPicPr>
+        <p:blipFill>
+          <a:blip r:embed="rId5">
+            <a:extLst>
+              <a:ext uri="{28A0092B-C50C-407E-A947-70E740481C1C}">
+                <a14:useLocalDpi xmlns:a14="http://schemas.microsoft.com/office/drawing/2010/main" val="0"/>
+              </a:ext>
+            </a:extLst>
+          </a:blip>
+          <a:stretch>
+            <a:fillRect/>
+          </a:stretch>
+        </p:blipFill>
+        <p:spPr>
+          <a:xfrm>
+            <a:off x="7183437" y="1863524"/>
+            <a:ext cx="2226766" cy="4108742"/>
+          </a:xfrm>
+          <a:prstGeom prst="rect">
+            <a:avLst/>
+          </a:prstGeom>
+        </p:spPr>
+      </p:pic>
+      <p:pic>
+        <p:nvPicPr>
+          <p:cNvPr id="9" name="그림 8"/>
+          <p:cNvPicPr>
+            <a:picLocks noChangeAspect="1"/>
+          </p:cNvPicPr>
+          <p:nvPr/>
+        </p:nvPicPr>
+        <p:blipFill>
+          <a:blip r:embed="rId6">
+            <a:extLst>
+              <a:ext uri="{28A0092B-C50C-407E-A947-70E740481C1C}">
+                <a14:useLocalDpi xmlns:a14="http://schemas.microsoft.com/office/drawing/2010/main" val="0"/>
+              </a:ext>
+            </a:extLst>
+          </a:blip>
+          <a:stretch>
+            <a:fillRect/>
+          </a:stretch>
+        </p:blipFill>
+        <p:spPr>
+          <a:xfrm>
+            <a:off x="9421419" y="1863524"/>
+            <a:ext cx="2254526" cy="4097168"/>
           </a:xfrm>
           <a:prstGeom prst="rect">
             <a:avLst/>
@@ -6273,7 +6391,7 @@
     </p:spTree>
     <p:extLst>
       <p:ext uri="{BB962C8B-B14F-4D97-AF65-F5344CB8AC3E}">
-        <p14:creationId xmlns:p14="http://schemas.microsoft.com/office/powerpoint/2010/main" val="77140140"/>
+        <p14:creationId xmlns:p14="http://schemas.microsoft.com/office/powerpoint/2010/main" val="288313279"/>
       </p:ext>
     </p:extLst>
   </p:cSld>
@@ -6317,201 +6435,14 @@
             <p:ph type="title"/>
           </p:nvPr>
         </p:nvSpPr>
-        <p:spPr>
-          <a:xfrm>
-            <a:off x="1295402" y="982132"/>
-            <a:ext cx="1719261" cy="718081"/>
-          </a:xfrm>
-        </p:spPr>
-        <p:txBody>
-          <a:bodyPr>
-            <a:normAutofit fontScale="90000"/>
-          </a:bodyPr>
+        <p:spPr/>
+        <p:txBody>
+          <a:bodyPr/>
           <a:lstStyle/>
           <a:p>
             <a:r>
               <a:rPr kumimoji="1" lang="ko-KR" altLang="en-US" dirty="0" smtClean="0"/>
-              <a:t>예시</a:t>
-            </a:r>
-            <a:endParaRPr kumimoji="1" lang="ko-KR" altLang="en-US" dirty="0"/>
-          </a:p>
-        </p:txBody>
-      </p:sp>
-      <p:pic>
-        <p:nvPicPr>
-          <p:cNvPr id="4" name="내용 개체 틀 3"/>
-          <p:cNvPicPr>
-            <a:picLocks noGrp="1" noChangeAspect="1"/>
-          </p:cNvPicPr>
-          <p:nvPr>
-            <p:ph idx="1"/>
-          </p:nvPr>
-        </p:nvPicPr>
-        <p:blipFill>
-          <a:blip r:embed="rId2">
-            <a:extLst>
-              <a:ext uri="{28A0092B-C50C-407E-A947-70E740481C1C}">
-                <a14:useLocalDpi xmlns:a14="http://schemas.microsoft.com/office/drawing/2010/main" val="0"/>
-              </a:ext>
-            </a:extLst>
-          </a:blip>
-          <a:stretch>
-            <a:fillRect/>
-          </a:stretch>
-        </p:blipFill>
-        <p:spPr>
-          <a:xfrm>
-            <a:off x="2771776" y="528638"/>
-            <a:ext cx="9317038" cy="5823149"/>
-          </a:xfrm>
-        </p:spPr>
-      </p:pic>
-    </p:spTree>
-    <p:extLst>
-      <p:ext uri="{BB962C8B-B14F-4D97-AF65-F5344CB8AC3E}">
-        <p14:creationId xmlns:p14="http://schemas.microsoft.com/office/powerpoint/2010/main" val="288313279"/>
-      </p:ext>
-    </p:extLst>
-  </p:cSld>
-  <p:clrMapOvr>
-    <a:masterClrMapping/>
-  </p:clrMapOvr>
-  <p:timing>
-    <p:tnLst>
-      <p:par>
-        <p:cTn id="1" dur="indefinite" restart="never" nodeType="tmRoot"/>
-      </p:par>
-    </p:tnLst>
-  </p:timing>
-</p:sld>
-</file>
-
-<file path=ppt/slides/slide6.xml><?xml version="1.0" encoding="utf-8"?>
-<p:sld xmlns:a="http://schemas.openxmlformats.org/drawingml/2006/main" xmlns:r="http://schemas.openxmlformats.org/officeDocument/2006/relationships" xmlns:p="http://schemas.openxmlformats.org/presentationml/2006/main">
-  <p:cSld>
-    <p:spTree>
-      <p:nvGrpSpPr>
-        <p:cNvPr id="1" name=""/>
-        <p:cNvGrpSpPr/>
-        <p:nvPr/>
-      </p:nvGrpSpPr>
-      <p:grpSpPr>
-        <a:xfrm>
-          <a:off x="0" y="0"/>
-          <a:ext cx="0" cy="0"/>
-          <a:chOff x="0" y="0"/>
-          <a:chExt cx="0" cy="0"/>
-        </a:xfrm>
-      </p:grpSpPr>
-      <p:sp>
-        <p:nvSpPr>
-          <p:cNvPr id="2" name="제목 1"/>
-          <p:cNvSpPr>
-            <a:spLocks noGrp="1"/>
-          </p:cNvSpPr>
-          <p:nvPr>
-            <p:ph type="title"/>
-          </p:nvPr>
-        </p:nvSpPr>
-        <p:spPr/>
-        <p:txBody>
-          <a:bodyPr/>
-          <a:lstStyle/>
-          <a:p>
-            <a:r>
-              <a:rPr kumimoji="1" lang="ko-KR" altLang="en-US" dirty="0" smtClean="0"/>
-              <a:t>일정</a:t>
-            </a:r>
-            <a:endParaRPr kumimoji="1" lang="ko-KR" altLang="en-US" dirty="0"/>
-          </a:p>
-        </p:txBody>
-      </p:sp>
-      <p:sp>
-        <p:nvSpPr>
-          <p:cNvPr id="3" name="내용 개체 틀 2"/>
-          <p:cNvSpPr>
-            <a:spLocks noGrp="1"/>
-          </p:cNvSpPr>
-          <p:nvPr>
-            <p:ph idx="1"/>
-          </p:nvPr>
-        </p:nvSpPr>
-        <p:spPr/>
-        <p:txBody>
-          <a:bodyPr/>
-          <a:lstStyle/>
-          <a:p>
-            <a:r>
-              <a:rPr kumimoji="1" lang="en-US" altLang="ko-KR" dirty="0" smtClean="0"/>
-              <a:t>5/10</a:t>
-            </a:r>
-            <a:r>
-              <a:rPr kumimoji="1" lang="ko-KR" altLang="en-US" dirty="0" smtClean="0"/>
-              <a:t> 기획발표</a:t>
-            </a:r>
-            <a:endParaRPr kumimoji="1" lang="en-US" altLang="ko-KR" dirty="0" smtClean="0"/>
-          </a:p>
-          <a:p>
-            <a:r>
-              <a:rPr kumimoji="1" lang="en-US" altLang="ko-KR" dirty="0" smtClean="0"/>
-              <a:t>5/21</a:t>
-            </a:r>
-            <a:r>
-              <a:rPr kumimoji="1" lang="ko-KR" altLang="en-US" dirty="0" smtClean="0"/>
-              <a:t> </a:t>
-            </a:r>
-            <a:r>
-              <a:rPr kumimoji="1" lang="en-US" altLang="ko-KR" dirty="0" err="1" smtClean="0"/>
-              <a:t>openApi</a:t>
-            </a:r>
-            <a:r>
-              <a:rPr kumimoji="1" lang="en-US" altLang="ko-KR" dirty="0" smtClean="0"/>
-              <a:t> </a:t>
-            </a:r>
-            <a:r>
-              <a:rPr kumimoji="1" lang="ko-KR" altLang="en-US" dirty="0" smtClean="0"/>
-              <a:t>연동 완료</a:t>
-            </a:r>
-            <a:endParaRPr kumimoji="1" lang="en-US" altLang="ko-KR" dirty="0" smtClean="0"/>
-          </a:p>
-          <a:p>
-            <a:r>
-              <a:rPr kumimoji="1" lang="en-US" altLang="ko-KR" dirty="0" smtClean="0"/>
-              <a:t>5/24</a:t>
-            </a:r>
-            <a:r>
-              <a:rPr kumimoji="1" lang="ko-KR" altLang="en-US" dirty="0" smtClean="0"/>
-              <a:t> 중간발표</a:t>
-            </a:r>
-            <a:endParaRPr kumimoji="1" lang="en-US" altLang="ko-KR" dirty="0" smtClean="0"/>
-          </a:p>
-          <a:p>
-            <a:r>
-              <a:rPr kumimoji="1" lang="en-US" altLang="ko-KR" dirty="0" smtClean="0"/>
-              <a:t>5/28</a:t>
-            </a:r>
-            <a:r>
-              <a:rPr kumimoji="1" lang="ko-KR" altLang="en-US" dirty="0" smtClean="0"/>
-              <a:t> 맵킷 및 </a:t>
-            </a:r>
-            <a:r>
-              <a:rPr kumimoji="1" lang="en-US" altLang="ko-KR" dirty="0" smtClean="0"/>
-              <a:t>GPS </a:t>
-            </a:r>
-            <a:r>
-              <a:rPr kumimoji="1" lang="ko-KR" altLang="en-US" dirty="0" smtClean="0"/>
-              <a:t>연동 완료</a:t>
-            </a:r>
-            <a:endParaRPr kumimoji="1" lang="en-US" altLang="ko-KR" dirty="0" smtClean="0"/>
-          </a:p>
-          <a:p>
-            <a:r>
-              <a:rPr kumimoji="1" lang="en-US" altLang="ko-KR" dirty="0" smtClean="0"/>
-              <a:t>6/7</a:t>
-            </a:r>
-            <a:r>
-              <a:rPr kumimoji="1" lang="ko-KR" altLang="en-US" dirty="0" smtClean="0"/>
-              <a:t> 최종발표 및 추가 기능 작성</a:t>
+              <a:t>실제 구현 모습</a:t>
             </a:r>
             <a:endParaRPr kumimoji="1" lang="ko-KR" altLang="en-US" dirty="0"/>
           </a:p>
